--- a/reference/FinalPresentationPPT.pptx
+++ b/reference/FinalPresentationPPT.pptx
@@ -108,6 +108,11 @@
       </a:defRPr>
     </a:lvl9pPr>
   </p:defaultTextStyle>
+  <p:extLst>
+    <p:ext uri="{EFAFB233-063F-42B5-8137-9DF3F51BA10A}">
+      <p15:sldGuideLst xmlns:p15="http://schemas.microsoft.com/office/powerpoint/2012/main"/>
+    </p:ext>
+  </p:extLst>
 </p:presentation>
 </file>
 
@@ -3594,6 +3599,258 @@
           </a:p>
         </p:txBody>
       </p:sp>
+      <p:sp>
+        <p:nvSpPr>
+          <p:cNvPr id="2" name="文本框 1">
+            <a:extLst>
+              <a:ext uri="{FF2B5EF4-FFF2-40B4-BE49-F238E27FC236}">
+                <a16:creationId xmlns:a16="http://schemas.microsoft.com/office/drawing/2014/main" id="{B7B54403-4BDC-C41A-C355-D789A171EADB}"/>
+              </a:ext>
+            </a:extLst>
+          </p:cNvPr>
+          <p:cNvSpPr txBox="1"/>
+          <p:nvPr/>
+        </p:nvSpPr>
+        <p:spPr>
+          <a:xfrm>
+            <a:off x="5932968" y="2024578"/>
+            <a:ext cx="5952138" cy="5078313"/>
+          </a:xfrm>
+          <a:prstGeom prst="rect">
+            <a:avLst/>
+          </a:prstGeom>
+          <a:noFill/>
+        </p:spPr>
+        <p:txBody>
+          <a:bodyPr wrap="square" rtlCol="0">
+            <a:spAutoFit/>
+          </a:bodyPr>
+          <a:lstStyle/>
+          <a:p>
+            <a:r>
+              <a:rPr lang="en-US" altLang="zh-CN" sz="1400" dirty="0" err="1"/>
+              <a:t>Json</a:t>
+            </a:r>
+            <a:r>
+              <a:rPr lang="en-US" altLang="zh-CN" sz="1400" dirty="0"/>
+              <a:t>:</a:t>
+            </a:r>
+          </a:p>
+          <a:p>
+            <a:r>
+              <a:rPr lang="en-US" altLang="zh-CN" sz="1000" dirty="0"/>
+              <a:t>{</a:t>
+            </a:r>
+          </a:p>
+          <a:p>
+            <a:pPr lvl="1"/>
+            <a:r>
+              <a:rPr lang="en-US" altLang="zh-CN" sz="1000" dirty="0"/>
+              <a:t>{</a:t>
+            </a:r>
+          </a:p>
+          <a:p>
+            <a:pPr lvl="1"/>
+            <a:r>
+              <a:rPr lang="en-US" altLang="zh-CN" sz="1000" dirty="0"/>
+              <a:t>“Stage”: 1,</a:t>
+            </a:r>
+          </a:p>
+          <a:p>
+            <a:pPr lvl="1"/>
+            <a:r>
+              <a:rPr lang="en-US" altLang="zh-CN" sz="1000" dirty="0"/>
+              <a:t>“State”: [0.12, 0.34, 0.12, 0.34, 0.82],          </a:t>
+            </a:r>
+          </a:p>
+          <a:p>
+            <a:pPr lvl="1"/>
+            <a:r>
+              <a:rPr lang="en-US" altLang="zh-CN" sz="1000" dirty="0"/>
+              <a:t>“Action”: [0.12, 0.59, 0.98] </a:t>
+            </a:r>
+          </a:p>
+          <a:p>
+            <a:pPr lvl="1"/>
+            <a:r>
+              <a:rPr lang="en-US" altLang="zh-CN" sz="1000" dirty="0"/>
+              <a:t>“Reward”:   900.83</a:t>
+            </a:r>
+          </a:p>
+          <a:p>
+            <a:pPr lvl="1"/>
+            <a:r>
+              <a:rPr lang="en-US" altLang="zh-CN" sz="1000" dirty="0"/>
+              <a:t>“Mask”: 1.0        </a:t>
+            </a:r>
+          </a:p>
+          <a:p>
+            <a:pPr lvl="1"/>
+            <a:r>
+              <a:rPr lang="en-US" altLang="zh-CN" sz="1000" dirty="0"/>
+              <a:t>“Done”:  False       </a:t>
+            </a:r>
+          </a:p>
+          <a:p>
+            <a:pPr lvl="1"/>
+            <a:r>
+              <a:rPr lang="en-US" altLang="zh-CN" sz="1000" dirty="0"/>
+              <a:t>“Next State”: [0.13, 0.34, 0.12, 0.34, 0.82]</a:t>
+            </a:r>
+          </a:p>
+          <a:p>
+            <a:pPr lvl="1"/>
+            <a:r>
+              <a:rPr lang="en-US" altLang="zh-CN" sz="1000" dirty="0"/>
+              <a:t>} </a:t>
+            </a:r>
+          </a:p>
+          <a:p>
+            <a:pPr lvl="1"/>
+            <a:r>
+              <a:rPr lang="en-US" altLang="zh-CN" sz="1000" dirty="0"/>
+              <a:t>{</a:t>
+            </a:r>
+          </a:p>
+          <a:p>
+            <a:pPr lvl="1"/>
+            <a:r>
+              <a:rPr lang="en-US" altLang="zh-CN" sz="1000" dirty="0"/>
+              <a:t>“Stage”: 1,</a:t>
+            </a:r>
+          </a:p>
+          <a:p>
+            <a:pPr lvl="1"/>
+            <a:r>
+              <a:rPr lang="en-US" altLang="zh-CN" sz="1000" dirty="0"/>
+              <a:t>“State”: [0.12, 0.34, 0.12, 0.34, 0.82],          </a:t>
+            </a:r>
+          </a:p>
+          <a:p>
+            <a:pPr lvl="1"/>
+            <a:r>
+              <a:rPr lang="en-US" altLang="zh-CN" sz="1000" dirty="0"/>
+              <a:t>“Action”: [0.12, 0.59, 0.98] </a:t>
+            </a:r>
+          </a:p>
+          <a:p>
+            <a:pPr lvl="1"/>
+            <a:r>
+              <a:rPr lang="en-US" altLang="zh-CN" sz="1000" dirty="0"/>
+              <a:t>“Reward”:   900.83</a:t>
+            </a:r>
+          </a:p>
+          <a:p>
+            <a:pPr lvl="1"/>
+            <a:r>
+              <a:rPr lang="en-US" altLang="zh-CN" sz="1000" dirty="0"/>
+              <a:t>“Mask”: 1.0        </a:t>
+            </a:r>
+          </a:p>
+          <a:p>
+            <a:pPr lvl="1"/>
+            <a:r>
+              <a:rPr lang="en-US" altLang="zh-CN" sz="1000" dirty="0"/>
+              <a:t>“Done”:  False       </a:t>
+            </a:r>
+          </a:p>
+          <a:p>
+            <a:pPr lvl="1"/>
+            <a:r>
+              <a:rPr lang="en-US" altLang="zh-CN" sz="1000" dirty="0"/>
+              <a:t>“Next State”: [0.13, 0.34, 0.12, 0.34, 0.82]</a:t>
+            </a:r>
+          </a:p>
+          <a:p>
+            <a:pPr lvl="1"/>
+            <a:r>
+              <a:rPr lang="en-US" altLang="zh-CN" sz="1000" dirty="0"/>
+              <a:t>} </a:t>
+            </a:r>
+          </a:p>
+          <a:p>
+            <a:pPr lvl="1"/>
+            <a:endParaRPr lang="en-US" altLang="zh-CN" sz="1000" dirty="0"/>
+          </a:p>
+          <a:p>
+            <a:pPr lvl="1"/>
+            <a:r>
+              <a:rPr lang="en-US" altLang="zh-CN" sz="1000" dirty="0"/>
+              <a:t>{</a:t>
+            </a:r>
+          </a:p>
+          <a:p>
+            <a:pPr lvl="1"/>
+            <a:r>
+              <a:rPr lang="en-US" altLang="zh-CN" sz="1000" dirty="0"/>
+              <a:t>“Stage”: 1,</a:t>
+            </a:r>
+          </a:p>
+          <a:p>
+            <a:pPr lvl="1"/>
+            <a:r>
+              <a:rPr lang="en-US" altLang="zh-CN" sz="1000" dirty="0"/>
+              <a:t>“State”: [0.12, 0.34, 0.12, 0.34, 0.82],          </a:t>
+            </a:r>
+          </a:p>
+          <a:p>
+            <a:pPr lvl="1"/>
+            <a:r>
+              <a:rPr lang="en-US" altLang="zh-CN" sz="1000" dirty="0"/>
+              <a:t>“Action”: [0.12, 0.59, 0.98] </a:t>
+            </a:r>
+          </a:p>
+          <a:p>
+            <a:pPr lvl="1"/>
+            <a:r>
+              <a:rPr lang="en-US" altLang="zh-CN" sz="1000" dirty="0"/>
+              <a:t>“Reward”:   900.83</a:t>
+            </a:r>
+          </a:p>
+          <a:p>
+            <a:pPr lvl="1"/>
+            <a:r>
+              <a:rPr lang="en-US" altLang="zh-CN" sz="1000" dirty="0"/>
+              <a:t>“Mask”: 1.0        </a:t>
+            </a:r>
+          </a:p>
+          <a:p>
+            <a:pPr lvl="1"/>
+            <a:r>
+              <a:rPr lang="en-US" altLang="zh-CN" sz="1000" dirty="0"/>
+              <a:t>“Done”:  False       </a:t>
+            </a:r>
+          </a:p>
+          <a:p>
+            <a:pPr lvl="1"/>
+            <a:r>
+              <a:rPr lang="en-US" altLang="zh-CN" sz="1000" dirty="0"/>
+              <a:t>“Next State”: [0.13, 0.34, 0.12, 0.34, 0.82]</a:t>
+            </a:r>
+          </a:p>
+          <a:p>
+            <a:pPr lvl="1"/>
+            <a:r>
+              <a:rPr lang="en-US" altLang="zh-CN" sz="1000" dirty="0"/>
+              <a:t>} </a:t>
+            </a:r>
+          </a:p>
+          <a:p>
+            <a:pPr lvl="1"/>
+            <a:r>
+              <a:rPr lang="en-US" altLang="zh-CN" sz="1000" dirty="0"/>
+              <a:t>…</a:t>
+            </a:r>
+          </a:p>
+          <a:p>
+            <a:r>
+              <a:rPr lang="en-US" altLang="zh-CN" sz="1000" dirty="0"/>
+              <a:t>}</a:t>
+            </a:r>
+            <a:endParaRPr lang="en-US" altLang="zh-CN" sz="1100" dirty="0"/>
+          </a:p>
+        </p:txBody>
+      </p:sp>
     </p:spTree>
     <p:extLst>
       <p:ext uri="{BB962C8B-B14F-4D97-AF65-F5344CB8AC3E}">
@@ -4514,7 +4771,7 @@
         </p:nvSpPr>
         <p:spPr>
           <a:xfrm>
-            <a:off x="3642366" y="5276687"/>
+            <a:off x="3613686" y="5349429"/>
             <a:ext cx="1505562" cy="369332"/>
           </a:xfrm>
           <a:prstGeom prst="rect">
@@ -4531,7 +4788,7 @@
             <a:pPr algn="ctr"/>
             <a:r>
               <a:rPr lang="en-US" altLang="zh-CN" dirty="0" err="1"/>
-              <a:t>Get_Stage</a:t>
+              <a:t>Get_state</a:t>
             </a:r>
             <a:r>
               <a:rPr lang="en-US" altLang="zh-CN" dirty="0"/>
